--- a/Documents/SixGuys (Group 5) Final Presentation.pptx
+++ b/Documents/SixGuys (Group 5) Final Presentation.pptx
@@ -6353,7 +6353,7 @@
           </a:ln>
           <a:extLst>
             <a:ext uri="{C572A759-6A51-4108-AA02-DFA0A04FC94B}">
-              <ma14:wrappingTextBoxFlag xmlns="" xmlns:ma14="http://schemas.microsoft.com/office/mac/drawingml/2011/main" val="1"/>
+              <ma14:wrappingTextBoxFlag xmlns:ma14="http://schemas.microsoft.com/office/mac/drawingml/2011/main" xmlns="" val="1"/>
             </a:ext>
           </a:extLst>
         </p:spPr>
@@ -8154,7 +8154,7 @@
                   <a:srgbClr val="214221"/>
                 </a:solidFill>
               </a:rPr>
-              <a:t>Early mock-up </a:t>
+              <a:t>Mock-Up of Burger Breakout </a:t>
             </a:r>
           </a:p>
         </p:txBody>
@@ -8294,6 +8294,53 @@
           </a:prstGeom>
         </p:spPr>
       </p:pic>
+      <p:sp>
+        <p:nvSpPr>
+          <p:cNvPr id="7" name="TextBox 6">
+            <a:extLst>
+              <a:ext uri="{FF2B5EF4-FFF2-40B4-BE49-F238E27FC236}">
+                <a16:creationId xmlns:a16="http://schemas.microsoft.com/office/drawing/2014/main" id="{98C84E84-F9B2-40C3-9DB7-42276D53D87F}"/>
+              </a:ext>
+            </a:extLst>
+          </p:cNvPr>
+          <p:cNvSpPr txBox="1"/>
+          <p:nvPr/>
+        </p:nvSpPr>
+        <p:spPr>
+          <a:xfrm>
+            <a:off x="9798342" y="196224"/>
+            <a:ext cx="2298584" cy="923330"/>
+          </a:xfrm>
+          <a:prstGeom prst="rect">
+            <a:avLst/>
+          </a:prstGeom>
+          <a:solidFill>
+            <a:srgbClr val="FFFF00"/>
+          </a:solidFill>
+        </p:spPr>
+        <p:txBody>
+          <a:bodyPr wrap="square" rtlCol="0">
+            <a:spAutoFit/>
+          </a:bodyPr>
+          <a:lstStyle/>
+          <a:p>
+            <a:r>
+              <a:rPr lang="en-US" u="sng" dirty="0"/>
+              <a:t>MUR (4/26)</a:t>
+            </a:r>
+            <a:r>
+              <a:rPr lang="en-US" dirty="0"/>
+              <a:t>: Need to update slide.</a:t>
+            </a:r>
+          </a:p>
+          <a:p>
+            <a:r>
+              <a:rPr lang="en-US" dirty="0"/>
+              <a:t>(2-3 slides)</a:t>
+            </a:r>
+          </a:p>
+        </p:txBody>
+      </p:sp>
     </p:spTree>
     <p:extLst>
       <p:ext uri="{BB962C8B-B14F-4D97-AF65-F5344CB8AC3E}">
@@ -8813,6 +8860,47 @@
           </a:p>
         </p:txBody>
       </p:sp>
+      <p:sp>
+        <p:nvSpPr>
+          <p:cNvPr id="12" name="TextBox 11">
+            <a:extLst>
+              <a:ext uri="{FF2B5EF4-FFF2-40B4-BE49-F238E27FC236}">
+                <a16:creationId xmlns:a16="http://schemas.microsoft.com/office/drawing/2014/main" id="{4D396EE2-5459-406E-8C32-BCF01FDB0DFD}"/>
+              </a:ext>
+            </a:extLst>
+          </p:cNvPr>
+          <p:cNvSpPr txBox="1"/>
+          <p:nvPr/>
+        </p:nvSpPr>
+        <p:spPr>
+          <a:xfrm>
+            <a:off x="9798342" y="196224"/>
+            <a:ext cx="2298584" cy="923330"/>
+          </a:xfrm>
+          <a:prstGeom prst="rect">
+            <a:avLst/>
+          </a:prstGeom>
+          <a:solidFill>
+            <a:srgbClr val="FFFF00"/>
+          </a:solidFill>
+        </p:spPr>
+        <p:txBody>
+          <a:bodyPr wrap="square" rtlCol="0">
+            <a:spAutoFit/>
+          </a:bodyPr>
+          <a:lstStyle/>
+          <a:p>
+            <a:r>
+              <a:rPr lang="en-US" u="sng" dirty="0"/>
+              <a:t>MUR (4/26)</a:t>
+            </a:r>
+            <a:r>
+              <a:rPr lang="en-US" dirty="0"/>
+              <a:t>: Kept character slides in case we want to reuse </a:t>
+            </a:r>
+          </a:p>
+        </p:txBody>
+      </p:sp>
     </p:spTree>
     <p:extLst>
       <p:ext uri="{BB962C8B-B14F-4D97-AF65-F5344CB8AC3E}">
@@ -9305,6 +9393,47 @@
             <a:r>
               <a:rPr lang="en-US" sz="2400" dirty="0"/>
               <a:t>Lettuce</a:t>
+            </a:r>
+          </a:p>
+        </p:txBody>
+      </p:sp>
+      <p:sp>
+        <p:nvSpPr>
+          <p:cNvPr id="12" name="TextBox 11">
+            <a:extLst>
+              <a:ext uri="{FF2B5EF4-FFF2-40B4-BE49-F238E27FC236}">
+                <a16:creationId xmlns:a16="http://schemas.microsoft.com/office/drawing/2014/main" id="{20236793-75FE-4CFE-9292-2C97A8DA3FE9}"/>
+              </a:ext>
+            </a:extLst>
+          </p:cNvPr>
+          <p:cNvSpPr txBox="1"/>
+          <p:nvPr/>
+        </p:nvSpPr>
+        <p:spPr>
+          <a:xfrm>
+            <a:off x="9798342" y="196224"/>
+            <a:ext cx="2298584" cy="923330"/>
+          </a:xfrm>
+          <a:prstGeom prst="rect">
+            <a:avLst/>
+          </a:prstGeom>
+          <a:solidFill>
+            <a:srgbClr val="FFFF00"/>
+          </a:solidFill>
+        </p:spPr>
+        <p:txBody>
+          <a:bodyPr wrap="square" rtlCol="0">
+            <a:spAutoFit/>
+          </a:bodyPr>
+          <a:lstStyle/>
+          <a:p>
+            <a:r>
+              <a:rPr lang="en-US" u="sng" dirty="0"/>
+              <a:t>MUR (4/26)</a:t>
+            </a:r>
+            <a:r>
+              <a:rPr lang="en-US" dirty="0"/>
+              <a:t>: Kept character slides in case we want to reuse </a:t>
             </a:r>
           </a:p>
         </p:txBody>
@@ -9721,6 +9850,47 @@
             <a:r>
               <a:rPr lang="en-US" sz="2400" dirty="0"/>
               <a:t>Knives Being Used by Humans</a:t>
+            </a:r>
+          </a:p>
+        </p:txBody>
+      </p:sp>
+      <p:sp>
+        <p:nvSpPr>
+          <p:cNvPr id="11" name="TextBox 10">
+            <a:extLst>
+              <a:ext uri="{FF2B5EF4-FFF2-40B4-BE49-F238E27FC236}">
+                <a16:creationId xmlns:a16="http://schemas.microsoft.com/office/drawing/2014/main" id="{070A6B37-42E7-48C0-8CA4-B89B30170254}"/>
+              </a:ext>
+            </a:extLst>
+          </p:cNvPr>
+          <p:cNvSpPr txBox="1"/>
+          <p:nvPr/>
+        </p:nvSpPr>
+        <p:spPr>
+          <a:xfrm>
+            <a:off x="9798342" y="196224"/>
+            <a:ext cx="2298584" cy="923330"/>
+          </a:xfrm>
+          <a:prstGeom prst="rect">
+            <a:avLst/>
+          </a:prstGeom>
+          <a:solidFill>
+            <a:srgbClr val="FFFF00"/>
+          </a:solidFill>
+        </p:spPr>
+        <p:txBody>
+          <a:bodyPr wrap="square" rtlCol="0">
+            <a:spAutoFit/>
+          </a:bodyPr>
+          <a:lstStyle/>
+          <a:p>
+            <a:r>
+              <a:rPr lang="en-US" u="sng" dirty="0"/>
+              <a:t>MUR (4/26)</a:t>
+            </a:r>
+            <a:r>
+              <a:rPr lang="en-US" dirty="0"/>
+              <a:t>: Kept character slides in case we want to reuse </a:t>
             </a:r>
           </a:p>
         </p:txBody>
@@ -13530,6 +13700,15 @@
 </file>
 
 <file path=customXml/item1.xml><?xml version="1.0" encoding="utf-8"?>
+<?mso-contentType ?>
+<FormTemplates xmlns="http://schemas.microsoft.com/sharepoint/v3/contenttype/forms">
+  <Display>DocumentLibraryForm</Display>
+  <Edit>DocumentLibraryForm</Edit>
+  <New>DocumentLibraryForm</New>
+</FormTemplates>
+</file>
+
+<file path=customXml/item2.xml><?xml version="1.0" encoding="utf-8"?>
 <ct:contentTypeSchema xmlns:ct="http://schemas.microsoft.com/office/2006/metadata/contentType" xmlns:ma="http://schemas.microsoft.com/office/2006/metadata/properties/metaAttributes" ct:_="" ma:_="" ma:contentTypeName="Document" ma:contentTypeID="0x01010079F111ED35F8CC479449609E8A0923A6" ma:contentTypeVersion="11" ma:contentTypeDescription="Create a new document." ma:contentTypeScope="" ma:versionID="96291512c1ee715ab617f4c07df79fc1">
   <xsd:schema xmlns:xsd="http://www.w3.org/2001/XMLSchema" xmlns:xs="http://www.w3.org/2001/XMLSchema" xmlns:p="http://schemas.microsoft.com/office/2006/metadata/properties" xmlns:ns2="71af3243-3dd4-4a8d-8c0d-dd76da1f02a5" xmlns:ns3="16c05727-aa75-4e4a-9b5f-8a80a1165891" targetNamespace="http://schemas.microsoft.com/office/2006/metadata/properties" ma:root="true" ma:fieldsID="8256c27c40ca5c40ce1cf6c44f0205df" ns2:_="" ns3:_="">
     <xsd:import namespace="71af3243-3dd4-4a8d-8c0d-dd76da1f02a5"/>
@@ -13740,15 +13919,6 @@
 </ct:contentTypeSchema>
 </file>
 
-<file path=customXml/item2.xml><?xml version="1.0" encoding="utf-8"?>
-<?mso-contentType ?>
-<FormTemplates xmlns="http://schemas.microsoft.com/sharepoint/v3/contenttype/forms">
-  <Display>DocumentLibraryForm</Display>
-  <Edit>DocumentLibraryForm</Edit>
-  <New>DocumentLibraryForm</New>
-</FormTemplates>
-</file>
-
 <file path=customXml/item3.xml><?xml version="1.0" encoding="utf-8"?>
 <p:properties xmlns:p="http://schemas.microsoft.com/office/2006/metadata/properties" xmlns:xsi="http://www.w3.org/2001/XMLSchema-instance" xmlns:pc="http://schemas.microsoft.com/office/infopath/2007/PartnerControls">
   <documentManagement>
@@ -13758,6 +13928,14 @@
 </file>
 
 <file path=customXml/itemProps1.xml><?xml version="1.0" encoding="utf-8"?>
+<ds:datastoreItem xmlns:ds="http://schemas.openxmlformats.org/officeDocument/2006/customXml" ds:itemID="{6D0B596E-8E5F-4DB7-9C0B-A416410C0FAB}">
+  <ds:schemaRefs>
+    <ds:schemaRef ds:uri="http://schemas.microsoft.com/sharepoint/v3/contenttype/forms"/>
+  </ds:schemaRefs>
+</ds:datastoreItem>
+</file>
+
+<file path=customXml/itemProps2.xml><?xml version="1.0" encoding="utf-8"?>
 <ds:datastoreItem xmlns:ds="http://schemas.openxmlformats.org/officeDocument/2006/customXml" ds:itemID="{5215998C-280A-471A-8BB1-CDC2B95FC290}">
   <ds:schemaRefs>
     <ds:schemaRef ds:uri="http://schemas.microsoft.com/office/2006/metadata/contentType"/>
@@ -13772,14 +13950,6 @@
     <ds:schemaRef ds:uri="http://purl.org/dc/elements/1.1/"/>
     <ds:schemaRef ds:uri="http://purl.org/dc/terms/"/>
     <ds:schemaRef ds:uri="http://schemas.microsoft.com/internal/obd"/>
-  </ds:schemaRefs>
-</ds:datastoreItem>
-</file>
-
-<file path=customXml/itemProps2.xml><?xml version="1.0" encoding="utf-8"?>
-<ds:datastoreItem xmlns:ds="http://schemas.openxmlformats.org/officeDocument/2006/customXml" ds:itemID="{6D0B596E-8E5F-4DB7-9C0B-A416410C0FAB}">
-  <ds:schemaRefs>
-    <ds:schemaRef ds:uri="http://schemas.microsoft.com/sharepoint/v3/contenttype/forms"/>
   </ds:schemaRefs>
 </ds:datastoreItem>
 </file>
